--- a/bigdata_project_demo.pptx
+++ b/bigdata_project_demo.pptx
@@ -234,7 +234,7 @@
             <a:fld id="{BD127E2B-DFA3-954F-B658-3879B20193C1}" type="datetime1">
               <a:rPr lang="en-US" smtClean="0"/>
               <a:pPr/>
-              <a:t>12/8/17</a:t>
+              <a:t>12/15/17</a:t>
             </a:fld>
             <a:endParaRPr lang="en-US"/>
           </a:p>
@@ -406,7 +406,7 @@
             <a:fld id="{51AD9640-78C9-BE47-8303-C9869DB29CA9}" type="datetime1">
               <a:rPr lang="en-US" smtClean="0"/>
               <a:pPr/>
-              <a:t>12/8/17</a:t>
+              <a:t>12/15/17</a:t>
             </a:fld>
             <a:endParaRPr lang="en-US" dirty="0"/>
           </a:p>
@@ -962,7 +962,7 @@
             <a:fld id="{6769BD7D-2F8E-164D-935F-5F1A9E0F4638}" type="datetime1">
               <a:rPr lang="en-US" smtClean="0"/>
               <a:pPr/>
-              <a:t>12/8/17</a:t>
+              <a:t>12/15/17</a:t>
             </a:fld>
             <a:endParaRPr lang="en-US"/>
           </a:p>
@@ -1146,7 +1146,7 @@
             <a:fld id="{74D18427-8665-774E-BECA-AF2D83D4BAF6}" type="datetime1">
               <a:rPr lang="en-US" smtClean="0"/>
               <a:pPr/>
-              <a:t>12/8/17</a:t>
+              <a:t>12/15/17</a:t>
             </a:fld>
             <a:endParaRPr lang="en-US"/>
           </a:p>
@@ -1340,7 +1340,7 @@
             <a:fld id="{C4C4EC66-DC49-E24D-BCD2-328AB1D6887F}" type="datetime1">
               <a:rPr lang="en-US" smtClean="0"/>
               <a:pPr/>
-              <a:t>12/8/17</a:t>
+              <a:t>12/15/17</a:t>
             </a:fld>
             <a:endParaRPr lang="en-US"/>
           </a:p>
@@ -1524,7 +1524,7 @@
             <a:fld id="{652545BE-0902-2E43-994C-46776729C155}" type="datetime1">
               <a:rPr lang="en-US" smtClean="0"/>
               <a:pPr/>
-              <a:t>12/8/17</a:t>
+              <a:t>12/15/17</a:t>
             </a:fld>
             <a:endParaRPr lang="en-US"/>
           </a:p>
@@ -1785,7 +1785,7 @@
             <a:fld id="{45F5426A-11FE-784E-B50B-F61EE5A6302A}" type="datetime1">
               <a:rPr lang="en-US" smtClean="0"/>
               <a:pPr/>
-              <a:t>12/8/17</a:t>
+              <a:t>12/15/17</a:t>
             </a:fld>
             <a:endParaRPr lang="en-US"/>
           </a:p>
@@ -2086,7 +2086,7 @@
             <a:fld id="{D0B08D41-6DB4-F347-A0D0-0015E394B3FF}" type="datetime1">
               <a:rPr lang="en-US" smtClean="0"/>
               <a:pPr/>
-              <a:t>12/8/17</a:t>
+              <a:t>12/15/17</a:t>
             </a:fld>
             <a:endParaRPr lang="en-US"/>
           </a:p>
@@ -2521,7 +2521,7 @@
             <a:fld id="{D83F5A97-6A42-3A48-8AD5-CF2453333178}" type="datetime1">
               <a:rPr lang="en-US" smtClean="0"/>
               <a:pPr/>
-              <a:t>12/8/17</a:t>
+              <a:t>12/15/17</a:t>
             </a:fld>
             <a:endParaRPr lang="en-US"/>
           </a:p>
@@ -2654,7 +2654,7 @@
             <a:fld id="{339FE62D-4A5D-0547-95B5-7A542938A396}" type="datetime1">
               <a:rPr lang="en-US" smtClean="0"/>
               <a:pPr/>
-              <a:t>12/8/17</a:t>
+              <a:t>12/15/17</a:t>
             </a:fld>
             <a:endParaRPr lang="en-US"/>
           </a:p>
@@ -2765,7 +2765,7 @@
             <a:fld id="{98B42E17-2087-4748-90B8-E548B450A3C6}" type="datetime1">
               <a:rPr lang="en-US" smtClean="0"/>
               <a:pPr/>
-              <a:t>12/8/17</a:t>
+              <a:t>12/15/17</a:t>
             </a:fld>
             <a:endParaRPr lang="en-US"/>
           </a:p>
@@ -3056,7 +3056,7 @@
             <a:fld id="{C10B1EF0-5880-9741-8AE7-8A6D36F26D7B}" type="datetime1">
               <a:rPr lang="en-US" smtClean="0"/>
               <a:pPr/>
-              <a:t>12/8/17</a:t>
+              <a:t>12/15/17</a:t>
             </a:fld>
             <a:endParaRPr lang="en-US"/>
           </a:p>
@@ -3324,7 +3324,7 @@
             <a:fld id="{EC0C2F40-4294-8D42-901D-F6FC5D6C9B65}" type="datetime1">
               <a:rPr lang="en-US" smtClean="0"/>
               <a:pPr/>
-              <a:t>12/8/17</a:t>
+              <a:t>12/15/17</a:t>
             </a:fld>
             <a:endParaRPr lang="en-US"/>
           </a:p>
@@ -3547,7 +3547,7 @@
             <a:fld id="{9B487242-3DE3-0C4F-AEA8-589AE22A8FF5}" type="datetime1">
               <a:rPr lang="en-US" smtClean="0"/>
               <a:pPr/>
-              <a:t>12/8/17</a:t>
+              <a:t>12/15/17</a:t>
             </a:fld>
             <a:endParaRPr lang="en-US" dirty="0"/>
           </a:p>
@@ -4241,6 +4241,13 @@
   <p:clrMapOvr>
     <a:masterClrMapping/>
   </p:clrMapOvr>
+  <p:timing>
+    <p:tnLst>
+      <p:par>
+        <p:cTn id="1" dur="indefinite" restart="never" nodeType="tmRoot"/>
+      </p:par>
+    </p:tnLst>
+  </p:timing>
 </p:sld>
 </file>
 
@@ -4381,7 +4388,7 @@
           <p:cNvPr id="6" name="Content Placeholder 5">
             <a:extLst>
               <a:ext uri="{FF2B5EF4-FFF2-40B4-BE49-F238E27FC236}">
-                <a16:creationId xmlns:a16="http://schemas.microsoft.com/office/drawing/2014/main" xmlns="" id="{13662F15-D38A-4FD0-9214-2CC7D2CAB3DC}"/>
+                <a16:creationId xmlns="" xmlns:a16="http://schemas.microsoft.com/office/drawing/2014/main" id="{13662F15-D38A-4FD0-9214-2CC7D2CAB3DC}"/>
               </a:ext>
             </a:extLst>
           </p:cNvPr>
@@ -4475,7 +4482,15 @@
             </a:r>
             <a:r>
               <a:rPr lang="en-US" sz="2000" dirty="0"/>
-              <a:t> decide not to implement focus location </a:t>
+              <a:t> </a:t>
+            </a:r>
+            <a:r>
+              <a:rPr lang="en-US" sz="2000" dirty="0" smtClean="0"/>
+              <a:t>decided </a:t>
+            </a:r>
+            <a:r>
+              <a:rPr lang="en-US" sz="2000" dirty="0"/>
+              <a:t>not to implement focus location </a:t>
             </a:r>
             <a:r>
               <a:rPr lang="en-US" sz="2000" dirty="0" err="1"/>
@@ -4828,7 +4843,7 @@
           <p:cNvPr id="6" name="Content Placeholder 5">
             <a:extLst>
               <a:ext uri="{FF2B5EF4-FFF2-40B4-BE49-F238E27FC236}">
-                <a16:creationId xmlns:a16="http://schemas.microsoft.com/office/drawing/2014/main" xmlns="" id="{13662F15-D38A-4FD0-9214-2CC7D2CAB3DC}"/>
+                <a16:creationId xmlns="" xmlns:a16="http://schemas.microsoft.com/office/drawing/2014/main" id="{13662F15-D38A-4FD0-9214-2CC7D2CAB3DC}"/>
               </a:ext>
             </a:extLst>
           </p:cNvPr>
@@ -4919,19 +4934,39 @@
             </a:r>
             <a:r>
               <a:rPr lang="en-US" sz="2000" dirty="0"/>
-              <a:t> need to preprocess the data and remove </a:t>
-            </a:r>
-            <a:r>
-              <a:rPr lang="en-US" sz="2000" dirty="0" err="1"/>
-              <a:t>verbs,prepositons,conjunctions</a:t>
-            </a:r>
-            <a:r>
-              <a:rPr lang="en-US" sz="2000" dirty="0"/>
-              <a:t> from the articles first</a:t>
+              <a:t> need to preprocess the </a:t>
+            </a:r>
+            <a:r>
+              <a:rPr lang="en-US" sz="2000" dirty="0" err="1" smtClean="0"/>
+              <a:t>data,here</a:t>
             </a:r>
             <a:r>
               <a:rPr lang="en-US" sz="2000" dirty="0" smtClean="0"/>
-              <a:t>.</a:t>
+              <a:t> we use NLTK </a:t>
+            </a:r>
+            <a:r>
+              <a:rPr lang="en-US" sz="2000" dirty="0" err="1" smtClean="0"/>
+              <a:t>stopwords</a:t>
+            </a:r>
+            <a:r>
+              <a:rPr lang="en-US" sz="2000" dirty="0" smtClean="0"/>
+              <a:t> to filter out </a:t>
+            </a:r>
+            <a:r>
+              <a:rPr lang="en-US" sz="2000" dirty="0" err="1" smtClean="0"/>
+              <a:t>usless</a:t>
+            </a:r>
+            <a:r>
+              <a:rPr lang="en-US" sz="2000" dirty="0" smtClean="0"/>
+              <a:t> words like “</a:t>
+            </a:r>
+            <a:r>
+              <a:rPr lang="en-US" sz="2000" dirty="0" err="1" smtClean="0"/>
+              <a:t>is”,”a”,”that”,”in</a:t>
+            </a:r>
+            <a:r>
+              <a:rPr lang="en-US" sz="2000" dirty="0" smtClean="0"/>
+              <a:t>”.</a:t>
             </a:r>
             <a:endParaRPr lang="en-US" sz="2000" dirty="0"/>
           </a:p>
@@ -5589,31 +5624,13 @@
               <a:buNone/>
             </a:pPr>
             <a:r>
-              <a:rPr lang="en-US" altLang="zh-CN" sz="2800" b="1" dirty="0" smtClean="0">
+              <a:rPr lang="en-US" sz="2800" b="1" dirty="0" smtClean="0">
                 <a:solidFill>
                   <a:srgbClr val="018752"/>
                 </a:solidFill>
                 <a:latin typeface="Arial"/>
               </a:rPr>
-              <a:t>Experimental</a:t>
-            </a:r>
-            <a:r>
-              <a:rPr lang="zh-CN" altLang="en-US" sz="2800" b="1" dirty="0" smtClean="0">
-                <a:solidFill>
-                  <a:srgbClr val="018752"/>
-                </a:solidFill>
-                <a:latin typeface="Arial"/>
-              </a:rPr>
-              <a:t> </a:t>
-            </a:r>
-            <a:r>
-              <a:rPr lang="en-US" altLang="zh-CN" sz="2800" b="1" dirty="0" smtClean="0">
-                <a:solidFill>
-                  <a:srgbClr val="018752"/>
-                </a:solidFill>
-                <a:latin typeface="Arial"/>
-              </a:rPr>
-              <a:t>Result</a:t>
+              <a:t>Visualization</a:t>
             </a:r>
             <a:endParaRPr lang="en-US" sz="2800" b="1" dirty="0">
               <a:solidFill>
@@ -5830,39 +5847,32 @@
       </p:sp>
       <p:pic>
         <p:nvPicPr>
-          <p:cNvPr id="9" name="Content Placeholder 8" descr="../../../../Screen%20Shot%202017-12-07%20at%2011.18.54%20AM.pn"/>
+          <p:cNvPr id="3" name="Picture 2"/>
           <p:cNvPicPr>
-            <a:picLocks noGrp="1"/>
+            <a:picLocks noChangeAspect="1"/>
           </p:cNvPicPr>
-          <p:nvPr>
-            <p:ph idx="1"/>
-          </p:nvPr>
+          <p:nvPr/>
         </p:nvPicPr>
         <p:blipFill>
-          <a:blip r:embed="rId2" cstate="print">
+          <a:blip r:embed="rId2">
             <a:extLst>
               <a:ext uri="{28A0092B-C50C-407E-A947-70E740481C1C}">
                 <a14:useLocalDpi xmlns:a14="http://schemas.microsoft.com/office/drawing/2010/main" val="0"/>
               </a:ext>
             </a:extLst>
           </a:blip>
-          <a:srcRect/>
           <a:stretch>
             <a:fillRect/>
           </a:stretch>
         </p:blipFill>
-        <p:spPr bwMode="auto">
+        <p:spPr>
           <a:xfrm>
-            <a:off x="1371600" y="2100649"/>
-            <a:ext cx="6536724" cy="4003589"/>
+            <a:off x="0" y="2045627"/>
+            <a:ext cx="9144000" cy="4194891"/>
           </a:xfrm>
           <a:prstGeom prst="rect">
             <a:avLst/>
           </a:prstGeom>
-          <a:noFill/>
-          <a:ln>
-            <a:noFill/>
-          </a:ln>
         </p:spPr>
       </p:pic>
     </p:spTree>
@@ -6076,7 +6086,7 @@
           <p:cNvPr id="6" name="Content Placeholder 5">
             <a:extLst>
               <a:ext uri="{FF2B5EF4-FFF2-40B4-BE49-F238E27FC236}">
-                <a16:creationId xmlns:a16="http://schemas.microsoft.com/office/drawing/2014/main" xmlns="" id="{13662F15-D38A-4FD0-9214-2CC7D2CAB3DC}"/>
+                <a16:creationId xmlns="" xmlns:a16="http://schemas.microsoft.com/office/drawing/2014/main" id="{13662F15-D38A-4FD0-9214-2CC7D2CAB3DC}"/>
               </a:ext>
             </a:extLst>
           </p:cNvPr>
@@ -6095,7 +6105,7 @@
         </p:spPr>
         <p:txBody>
           <a:bodyPr>
-            <a:normAutofit fontScale="92500" lnSpcReduction="20000"/>
+            <a:normAutofit fontScale="77500" lnSpcReduction="20000"/>
           </a:bodyPr>
           <a:lstStyle/>
           <a:p>
@@ -6175,54 +6185,53 @@
               <a:t> </a:t>
             </a:r>
             <a:r>
-              <a:rPr lang="en-US" altLang="zh-CN" sz="1800" dirty="0"/>
+              <a:rPr lang="en-US" altLang="zh-CN" sz="2300" dirty="0"/>
               <a:t>T</a:t>
             </a:r>
             <a:r>
-              <a:rPr lang="en-US" sz="1800" dirty="0" smtClean="0"/>
+              <a:rPr lang="en-US" sz="2300" dirty="0" smtClean="0"/>
               <a:t>hey </a:t>
             </a:r>
             <a:r>
-              <a:rPr lang="en-US" sz="1800" dirty="0"/>
+              <a:rPr lang="en-US" sz="2300" dirty="0"/>
               <a:t>evaluated and </a:t>
             </a:r>
             <a:r>
-              <a:rPr lang="en-US" sz="1800" dirty="0" err="1"/>
+              <a:rPr lang="en-US" sz="2300" dirty="0" err="1"/>
               <a:t>analysed</a:t>
             </a:r>
             <a:r>
-              <a:rPr lang="en-US" sz="1800" dirty="0"/>
+              <a:rPr lang="en-US" sz="2300" dirty="0"/>
               <a:t> the performance of a number of leading </a:t>
             </a:r>
             <a:r>
-              <a:rPr lang="en-US" sz="1800" dirty="0" err="1"/>
+              <a:rPr lang="en-US" sz="2300" dirty="0" err="1"/>
               <a:t>geoparsers</a:t>
             </a:r>
             <a:r>
-              <a:rPr lang="en-US" sz="1800" dirty="0"/>
+              <a:rPr lang="en-US" sz="2300" dirty="0"/>
               <a:t> on a number of corpora and highlight the challenges in </a:t>
             </a:r>
             <a:r>
-              <a:rPr lang="en-US" sz="1800" dirty="0" err="1"/>
+              <a:rPr lang="en-US" sz="2300" dirty="0" err="1"/>
               <a:t>detail.They</a:t>
             </a:r>
             <a:r>
-              <a:rPr lang="en-US" sz="1800" dirty="0"/>
+              <a:rPr lang="en-US" sz="2300" dirty="0"/>
               <a:t> also published an automatically geotagged </a:t>
             </a:r>
             <a:r>
-              <a:rPr lang="en-US" sz="1800" dirty="0" err="1"/>
+              <a:rPr lang="en-US" sz="2300" dirty="0" err="1"/>
               <a:t>Wikepedia</a:t>
             </a:r>
             <a:r>
-              <a:rPr lang="en-US" sz="1800" dirty="0"/>
-              <a:t> corpus to alleviate the dearth of (open source) corpora in this domain</a:t>
-            </a:r>
-            <a:r>
-              <a:rPr lang="en-US" sz="1800" dirty="0"/>
-              <a:t> </a:t>
-            </a:r>
-            <a:endParaRPr lang="en-US" sz="1800" dirty="0" smtClean="0"/>
+              <a:rPr lang="en-US" sz="2300" dirty="0"/>
+              <a:t> corpus to alleviate the dearth of (open source) corpora in this </a:t>
+            </a:r>
+            <a:r>
+              <a:rPr lang="en-US" sz="2300" dirty="0" smtClean="0"/>
+              <a:t>domain.</a:t>
+            </a:r>
           </a:p>
           <a:p>
             <a:pPr lvl="2">
@@ -6295,38 +6304,38 @@
               <a:buChar char="•"/>
             </a:pPr>
             <a:r>
-              <a:rPr lang="en-US" altLang="zh-CN" sz="1600" dirty="0"/>
+              <a:rPr lang="en-US" altLang="zh-CN" sz="2300" dirty="0"/>
               <a:t>T</a:t>
             </a:r>
             <a:r>
-              <a:rPr lang="en-US" sz="1600" dirty="0" smtClean="0"/>
+              <a:rPr lang="en-US" sz="2300" dirty="0" smtClean="0"/>
               <a:t>hey </a:t>
             </a:r>
             <a:r>
-              <a:rPr lang="en-US" sz="1600" dirty="0"/>
+              <a:rPr lang="en-US" sz="2300" dirty="0"/>
               <a:t>have presented and developed a focus location extraction method executable on unstructured text-based new </a:t>
             </a:r>
             <a:r>
-              <a:rPr lang="en-US" sz="1600" dirty="0" err="1"/>
+              <a:rPr lang="en-US" sz="2300" dirty="0" err="1"/>
               <a:t>reports.They</a:t>
             </a:r>
             <a:r>
-              <a:rPr lang="en-US" sz="1600" dirty="0"/>
+              <a:rPr lang="en-US" sz="2300" dirty="0"/>
               <a:t> extract all of the possible locations with a named entity recognition </a:t>
             </a:r>
             <a:r>
-              <a:rPr lang="en-US" sz="1600" dirty="0" err="1"/>
+              <a:rPr lang="en-US" sz="2300" dirty="0" err="1"/>
               <a:t>tool,and</a:t>
             </a:r>
             <a:r>
-              <a:rPr lang="en-US" sz="1600" dirty="0"/>
-              <a:t> propose a semantic approach to find the focus location</a:t>
-            </a:r>
-            <a:r>
-              <a:rPr lang="en-US" sz="1600" dirty="0"/>
-              <a:t> </a:t>
-            </a:r>
-            <a:endParaRPr lang="en-US" sz="2000" dirty="0"/>
+              <a:rPr lang="en-US" sz="2300" dirty="0"/>
+              <a:t> propose a semantic approach to find the focus </a:t>
+            </a:r>
+            <a:r>
+              <a:rPr lang="en-US" sz="2300" dirty="0" smtClean="0"/>
+              <a:t>location.</a:t>
+            </a:r>
+            <a:endParaRPr lang="en-US" sz="2300" dirty="0"/>
           </a:p>
         </p:txBody>
       </p:sp>
@@ -6721,7 +6730,7 @@
           <p:cNvPr id="6" name="Content Placeholder 5">
             <a:extLst>
               <a:ext uri="{FF2B5EF4-FFF2-40B4-BE49-F238E27FC236}">
-                <a16:creationId xmlns:a16="http://schemas.microsoft.com/office/drawing/2014/main" xmlns="" id="{13662F15-D38A-4FD0-9214-2CC7D2CAB3DC}"/>
+                <a16:creationId xmlns="" xmlns:a16="http://schemas.microsoft.com/office/drawing/2014/main" id="{13662F15-D38A-4FD0-9214-2CC7D2CAB3DC}"/>
               </a:ext>
             </a:extLst>
           </p:cNvPr>
@@ -6803,11 +6812,7 @@
             </a:r>
             <a:r>
               <a:rPr lang="en-US" sz="1800" dirty="0"/>
-              <a:t> technology and “Focus Location Extraction” idea from the prior work</a:t>
-            </a:r>
-            <a:r>
-              <a:rPr lang="en-US" sz="1800" dirty="0"/>
-              <a:t> </a:t>
+              <a:t> technology and “Focus Location Extraction” idea from the prior work </a:t>
             </a:r>
             <a:r>
               <a:rPr lang="en-US" altLang="zh-CN" sz="1800" dirty="0" smtClean="0"/>
@@ -6834,11 +6839,7 @@
             </a:r>
             <a:r>
               <a:rPr lang="en-US" sz="1800" dirty="0"/>
-              <a:t> Then we retrieved the main topic from each cluster.</a:t>
-            </a:r>
-            <a:r>
-              <a:rPr lang="en-US" sz="1800" dirty="0"/>
-              <a:t> </a:t>
+              <a:t> Then we retrieved the main topic from each cluster. </a:t>
             </a:r>
             <a:endParaRPr lang="en-US" sz="1800" dirty="0" smtClean="0"/>
           </a:p>
@@ -6877,11 +6878,7 @@
             </a:r>
             <a:r>
               <a:rPr lang="en-US" sz="1600" dirty="0"/>
-              <a:t>.</a:t>
-            </a:r>
-            <a:r>
-              <a:rPr lang="en-US" sz="1600" dirty="0"/>
-              <a:t> </a:t>
+              <a:t>. </a:t>
             </a:r>
             <a:endParaRPr lang="en-US" sz="1800" dirty="0" smtClean="0"/>
           </a:p>
@@ -7242,7 +7239,7 @@
           <p:cNvPr id="6" name="Content Placeholder 5">
             <a:extLst>
               <a:ext uri="{FF2B5EF4-FFF2-40B4-BE49-F238E27FC236}">
-                <a16:creationId xmlns:a16="http://schemas.microsoft.com/office/drawing/2014/main" xmlns="" id="{13662F15-D38A-4FD0-9214-2CC7D2CAB3DC}"/>
+                <a16:creationId xmlns="" xmlns:a16="http://schemas.microsoft.com/office/drawing/2014/main" id="{13662F15-D38A-4FD0-9214-2CC7D2CAB3DC}"/>
               </a:ext>
             </a:extLst>
           </p:cNvPr>
@@ -7632,7 +7629,7 @@
           <p:cNvPr id="6" name="Content Placeholder 5">
             <a:extLst>
               <a:ext uri="{FF2B5EF4-FFF2-40B4-BE49-F238E27FC236}">
-                <a16:creationId xmlns:a16="http://schemas.microsoft.com/office/drawing/2014/main" xmlns="" id="{13662F15-D38A-4FD0-9214-2CC7D2CAB3DC}"/>
+                <a16:creationId xmlns="" xmlns:a16="http://schemas.microsoft.com/office/drawing/2014/main" id="{13662F15-D38A-4FD0-9214-2CC7D2CAB3DC}"/>
               </a:ext>
             </a:extLst>
           </p:cNvPr>
@@ -8028,7 +8025,7 @@
           <p:cNvPr id="6" name="Content Placeholder 5">
             <a:extLst>
               <a:ext uri="{FF2B5EF4-FFF2-40B4-BE49-F238E27FC236}">
-                <a16:creationId xmlns:a16="http://schemas.microsoft.com/office/drawing/2014/main" xmlns="" id="{13662F15-D38A-4FD0-9214-2CC7D2CAB3DC}"/>
+                <a16:creationId xmlns="" xmlns:a16="http://schemas.microsoft.com/office/drawing/2014/main" id="{13662F15-D38A-4FD0-9214-2CC7D2CAB3DC}"/>
               </a:ext>
             </a:extLst>
           </p:cNvPr>
@@ -8441,7 +8438,7 @@
         </p:spPr>
         <p:txBody>
           <a:bodyPr>
-            <a:normAutofit/>
+            <a:normAutofit fontScale="92500"/>
           </a:bodyPr>
           <a:lstStyle/>
           <a:p>
@@ -8450,13 +8447,18 @@
               <a:buNone/>
             </a:pPr>
             <a:r>
-              <a:rPr lang="en-US" sz="6000" i="1" dirty="0">
+              <a:rPr lang="en-US" sz="6000" i="1" dirty="0" smtClean="0">
                 <a:solidFill>
                   <a:srgbClr val="FF0000"/>
                 </a:solidFill>
               </a:rPr>
-              <a:t>Question?</a:t>
-            </a:r>
+              <a:t>Thank you!</a:t>
+            </a:r>
+            <a:endParaRPr lang="en-US" sz="6000" i="1" dirty="0">
+              <a:solidFill>
+                <a:srgbClr val="FF0000"/>
+              </a:solidFill>
+            </a:endParaRPr>
           </a:p>
         </p:txBody>
       </p:sp>
@@ -8748,6 +8750,13 @@
   <p:clrMapOvr>
     <a:masterClrMapping/>
   </p:clrMapOvr>
+  <p:timing>
+    <p:tnLst>
+      <p:par>
+        <p:cTn id="1" dur="indefinite" restart="never" nodeType="tmRoot"/>
+      </p:par>
+    </p:tnLst>
+  </p:timing>
 </p:sld>
 </file>
 
@@ -8888,7 +8897,7 @@
           <p:cNvPr id="6" name="Content Placeholder 5">
             <a:extLst>
               <a:ext uri="{FF2B5EF4-FFF2-40B4-BE49-F238E27FC236}">
-                <a16:creationId xmlns:a16="http://schemas.microsoft.com/office/drawing/2014/main" xmlns="" id="{13662F15-D38A-4FD0-9214-2CC7D2CAB3DC}"/>
+                <a16:creationId xmlns="" xmlns:a16="http://schemas.microsoft.com/office/drawing/2014/main" id="{13662F15-D38A-4FD0-9214-2CC7D2CAB3DC}"/>
               </a:ext>
             </a:extLst>
           </p:cNvPr>
@@ -8907,7 +8916,7 @@
         </p:spPr>
         <p:txBody>
           <a:bodyPr>
-            <a:normAutofit fontScale="92500" lnSpcReduction="10000"/>
+            <a:normAutofit fontScale="92500" lnSpcReduction="20000"/>
           </a:bodyPr>
           <a:lstStyle/>
           <a:p>
@@ -8963,83 +8972,19 @@
               <a:t> </a:t>
             </a:r>
             <a:r>
-              <a:rPr lang="en-US" altLang="zh-CN" sz="1800" dirty="0"/>
-              <a:t>adds</a:t>
-            </a:r>
-            <a:r>
-              <a:rPr lang="zh-CN" altLang="en-US" sz="1800" dirty="0"/>
+              <a:rPr lang="en-US" altLang="zh-CN" sz="1800" dirty="0" smtClean="0"/>
+              <a:t>can be used to determine a variety of characteristics of population,</a:t>
+            </a:r>
+            <a:r>
+              <a:rPr lang="zh-CN" altLang="en-US" sz="1800" dirty="0" smtClean="0"/>
               <a:t> </a:t>
             </a:r>
             <a:r>
-              <a:rPr lang="en-US" altLang="zh-CN" sz="1800" dirty="0"/>
-              <a:t>an</a:t>
-            </a:r>
-            <a:r>
-              <a:rPr lang="zh-CN" altLang="en-US" sz="1800" dirty="0"/>
-              <a:t> </a:t>
-            </a:r>
-            <a:r>
-              <a:rPr lang="en-US" altLang="zh-CN" sz="1800" dirty="0"/>
-              <a:t>additional</a:t>
-            </a:r>
-            <a:r>
-              <a:rPr lang="zh-CN" altLang="en-US" sz="1800" dirty="0"/>
-              <a:t> </a:t>
-            </a:r>
-            <a:r>
-              <a:rPr lang="en-US" altLang="zh-CN" sz="1800" dirty="0"/>
-              <a:t>dimension</a:t>
-            </a:r>
-            <a:r>
-              <a:rPr lang="zh-CN" altLang="en-US" sz="1800" dirty="0"/>
-              <a:t> </a:t>
-            </a:r>
-            <a:r>
-              <a:rPr lang="en-US" altLang="zh-CN" sz="1800" dirty="0"/>
-              <a:t>to</a:t>
-            </a:r>
-            <a:r>
-              <a:rPr lang="zh-CN" altLang="en-US" sz="1800" dirty="0"/>
-              <a:t> </a:t>
-            </a:r>
-            <a:r>
-              <a:rPr lang="en-US" altLang="zh-CN" sz="1800" dirty="0"/>
-              <a:t>the</a:t>
-            </a:r>
-            <a:r>
-              <a:rPr lang="zh-CN" altLang="en-US" sz="1800" dirty="0"/>
-              <a:t> </a:t>
-            </a:r>
-            <a:r>
-              <a:rPr lang="en-US" altLang="zh-CN" sz="1800" dirty="0"/>
-              <a:t>richness</a:t>
-            </a:r>
-            <a:r>
-              <a:rPr lang="zh-CN" altLang="en-US" sz="1800" dirty="0"/>
-              <a:t> </a:t>
-            </a:r>
-            <a:r>
-              <a:rPr lang="en-US" altLang="zh-CN" sz="1800" dirty="0"/>
-              <a:t>of</a:t>
-            </a:r>
-            <a:r>
-              <a:rPr lang="zh-CN" altLang="en-US" sz="1800" dirty="0"/>
-              <a:t> </a:t>
-            </a:r>
-            <a:r>
-              <a:rPr lang="en-US" altLang="zh-CN" sz="1800" dirty="0"/>
-              <a:t>data,</a:t>
-            </a:r>
-            <a:r>
-              <a:rPr lang="zh-CN" altLang="en-US" sz="1800" dirty="0"/>
-              <a:t> </a:t>
-            </a:r>
-            <a:r>
-              <a:rPr lang="en-US" altLang="zh-CN" sz="1800" dirty="0"/>
-              <a:t>enabling</a:t>
-            </a:r>
-            <a:r>
-              <a:rPr lang="zh-CN" altLang="en-US" sz="1800" dirty="0"/>
+              <a:rPr lang="en-US" altLang="zh-CN" sz="1800" dirty="0" smtClean="0"/>
+              <a:t>geolocation extraction from newspapers enable</a:t>
+            </a:r>
+            <a:r>
+              <a:rPr lang="zh-CN" altLang="en-US" sz="1800" dirty="0" smtClean="0"/>
               <a:t> </a:t>
             </a:r>
             <a:r>
@@ -9200,7 +9145,19 @@
             </a:pPr>
             <a:r>
               <a:rPr lang="en-US" altLang="zh-CN" sz="1800" dirty="0"/>
-              <a:t>By</a:t>
+              <a:t>E</a:t>
+            </a:r>
+            <a:r>
+              <a:rPr lang="en-US" altLang="zh-CN" sz="1800" dirty="0" smtClean="0"/>
+              <a:t>xploring</a:t>
+            </a:r>
+            <a:r>
+              <a:rPr lang="zh-CN" altLang="en-US" sz="1800" dirty="0" smtClean="0"/>
+              <a:t> </a:t>
+            </a:r>
+            <a:r>
+              <a:rPr lang="en-US" altLang="zh-CN" sz="1800" dirty="0"/>
+              <a:t>the</a:t>
             </a:r>
             <a:r>
               <a:rPr lang="zh-CN" altLang="en-US" sz="1800" dirty="0"/>
@@ -9208,7 +9165,7 @@
             </a:r>
             <a:r>
               <a:rPr lang="en-US" altLang="zh-CN" sz="1800" dirty="0"/>
-              <a:t>exploring</a:t>
+              <a:t>dominant</a:t>
             </a:r>
             <a:r>
               <a:rPr lang="zh-CN" altLang="en-US" sz="1800" dirty="0"/>
@@ -9216,7 +9173,7 @@
             </a:r>
             <a:r>
               <a:rPr lang="en-US" altLang="zh-CN" sz="1800" dirty="0"/>
-              <a:t>the</a:t>
+              <a:t>topic</a:t>
             </a:r>
             <a:r>
               <a:rPr lang="zh-CN" altLang="en-US" sz="1800" dirty="0"/>
@@ -9224,7 +9181,7 @@
             </a:r>
             <a:r>
               <a:rPr lang="en-US" altLang="zh-CN" sz="1800" dirty="0"/>
-              <a:t>dominant</a:t>
+              <a:t>in</a:t>
             </a:r>
             <a:r>
               <a:rPr lang="zh-CN" altLang="en-US" sz="1800" dirty="0"/>
@@ -9232,104 +9189,25 @@
             </a:r>
             <a:r>
               <a:rPr lang="en-US" altLang="zh-CN" sz="1800" dirty="0"/>
-              <a:t>topic</a:t>
+              <a:t>a</a:t>
             </a:r>
             <a:r>
               <a:rPr lang="zh-CN" altLang="en-US" sz="1800" dirty="0"/>
               <a:t> </a:t>
             </a:r>
             <a:r>
-              <a:rPr lang="en-US" altLang="zh-CN" sz="1800" dirty="0"/>
-              <a:t>in</a:t>
-            </a:r>
-            <a:r>
-              <a:rPr lang="zh-CN" altLang="en-US" sz="1800" dirty="0"/>
+              <a:rPr lang="en-US" altLang="zh-CN" sz="1800" dirty="0" smtClean="0"/>
+              <a:t>specific</a:t>
+            </a:r>
+            <a:r>
+              <a:rPr lang="zh-CN" altLang="en-US" sz="1800" dirty="0" smtClean="0"/>
               <a:t> </a:t>
             </a:r>
             <a:r>
-              <a:rPr lang="en-US" altLang="zh-CN" sz="1800" dirty="0"/>
-              <a:t>a</a:t>
-            </a:r>
-            <a:r>
-              <a:rPr lang="zh-CN" altLang="en-US" sz="1800" dirty="0"/>
-              <a:t> </a:t>
-            </a:r>
-            <a:r>
-              <a:rPr lang="en-US" altLang="zh-CN" sz="1800" dirty="0" err="1"/>
-              <a:t>spedific</a:t>
-            </a:r>
-            <a:r>
-              <a:rPr lang="zh-CN" altLang="en-US" sz="1800" dirty="0"/>
-              <a:t> </a:t>
-            </a:r>
-            <a:r>
-              <a:rPr lang="en-US" altLang="zh-CN" sz="1800" dirty="0" err="1"/>
-              <a:t>district,we</a:t>
-            </a:r>
-            <a:r>
-              <a:rPr lang="zh-CN" altLang="en-US" sz="1800" dirty="0"/>
-              <a:t> </a:t>
-            </a:r>
-            <a:r>
-              <a:rPr lang="en-US" altLang="zh-CN" sz="1800" dirty="0"/>
-              <a:t>will</a:t>
-            </a:r>
-            <a:r>
-              <a:rPr lang="zh-CN" altLang="en-US" sz="1800" dirty="0"/>
-              <a:t> </a:t>
-            </a:r>
-            <a:r>
-              <a:rPr lang="en-US" altLang="zh-CN" sz="1800" dirty="0"/>
-              <a:t>have</a:t>
-            </a:r>
-            <a:r>
-              <a:rPr lang="zh-CN" altLang="en-US" sz="1800" dirty="0"/>
-              <a:t> </a:t>
-            </a:r>
-            <a:r>
-              <a:rPr lang="en-US" altLang="zh-CN" sz="1800" dirty="0"/>
-              <a:t>a</a:t>
-            </a:r>
-            <a:r>
-              <a:rPr lang="zh-CN" altLang="en-US" sz="1800" dirty="0"/>
-              <a:t> </a:t>
-            </a:r>
-            <a:r>
-              <a:rPr lang="en-US" altLang="zh-CN" sz="1800" dirty="0"/>
-              <a:t>better</a:t>
-            </a:r>
-            <a:r>
-              <a:rPr lang="zh-CN" altLang="en-US" sz="1800" dirty="0"/>
-              <a:t> </a:t>
-            </a:r>
-            <a:r>
-              <a:rPr lang="en-US" altLang="zh-CN" sz="1800" dirty="0"/>
-              <a:t>understanding</a:t>
-            </a:r>
-            <a:r>
-              <a:rPr lang="zh-CN" altLang="en-US" sz="1800" dirty="0"/>
-              <a:t> </a:t>
-            </a:r>
-            <a:r>
-              <a:rPr lang="en-US" altLang="zh-CN" sz="1800" dirty="0"/>
-              <a:t>of</a:t>
-            </a:r>
-            <a:r>
-              <a:rPr lang="zh-CN" altLang="en-US" sz="1800" dirty="0"/>
-              <a:t> </a:t>
-            </a:r>
-            <a:r>
-              <a:rPr lang="en-US" altLang="zh-CN" sz="1800" dirty="0"/>
-              <a:t>associated</a:t>
-            </a:r>
-            <a:r>
-              <a:rPr lang="zh-CN" altLang="en-US" sz="1800" dirty="0"/>
-              <a:t> </a:t>
-            </a:r>
-            <a:r>
-              <a:rPr lang="en-US" altLang="zh-CN" sz="1800" dirty="0"/>
-              <a:t>events.</a:t>
-            </a:r>
+              <a:rPr lang="en-US" altLang="zh-CN" sz="1800" dirty="0" smtClean="0"/>
+              <a:t>district provides a different perspective to human geography research.</a:t>
+            </a:r>
+            <a:endParaRPr lang="en-US" altLang="zh-CN" sz="1800" dirty="0"/>
           </a:p>
           <a:p>
             <a:pPr marL="0" marR="0" lvl="0" indent="0" defTabSz="914400" eaLnBrk="1" fontAlgn="auto" latinLnBrk="0" hangingPunct="1">
@@ -9726,7 +9604,7 @@
           <p:cNvPr id="6" name="Content Placeholder 5">
             <a:extLst>
               <a:ext uri="{FF2B5EF4-FFF2-40B4-BE49-F238E27FC236}">
-                <a16:creationId xmlns:a16="http://schemas.microsoft.com/office/drawing/2014/main" xmlns="" id="{13662F15-D38A-4FD0-9214-2CC7D2CAB3DC}"/>
+                <a16:creationId xmlns="" xmlns:a16="http://schemas.microsoft.com/office/drawing/2014/main" id="{13662F15-D38A-4FD0-9214-2CC7D2CAB3DC}"/>
               </a:ext>
             </a:extLst>
           </p:cNvPr>
@@ -10144,7 +10022,7 @@
           <p:cNvPr id="6" name="Content Placeholder 5">
             <a:extLst>
               <a:ext uri="{FF2B5EF4-FFF2-40B4-BE49-F238E27FC236}">
-                <a16:creationId xmlns:a16="http://schemas.microsoft.com/office/drawing/2014/main" xmlns="" id="{13662F15-D38A-4FD0-9214-2CC7D2CAB3DC}"/>
+                <a16:creationId xmlns="" xmlns:a16="http://schemas.microsoft.com/office/drawing/2014/main" id="{13662F15-D38A-4FD0-9214-2CC7D2CAB3DC}"/>
               </a:ext>
             </a:extLst>
           </p:cNvPr>
@@ -10193,35 +10071,11 @@
             </a:r>
             <a:r>
               <a:rPr lang="en-US" sz="2000" dirty="0"/>
-              <a:t> as geographic coordinates expressed latitude-</a:t>
-            </a:r>
-            <a:r>
-              <a:rPr lang="en-US" sz="2000" dirty="0" err="1"/>
-              <a:t>longitude.One</a:t>
-            </a:r>
-            <a:r>
-              <a:rPr lang="en-US" sz="2000" dirty="0"/>
-              <a:t> can also </a:t>
-            </a:r>
-            <a:r>
-              <a:rPr lang="en-US" sz="2000" dirty="0" err="1"/>
-              <a:t>geoparse</a:t>
-            </a:r>
-            <a:r>
-              <a:rPr lang="en-US" sz="2000" dirty="0"/>
-              <a:t> location references from other forms of </a:t>
-            </a:r>
-            <a:r>
-              <a:rPr lang="en-US" sz="2000" dirty="0" err="1"/>
-              <a:t>media,for</a:t>
-            </a:r>
-            <a:r>
-              <a:rPr lang="en-US" sz="2000" dirty="0"/>
-              <a:t> examples audio content in which a speaker mentions a place</a:t>
+              <a:t> as geographic coordinates expressed </a:t>
             </a:r>
             <a:r>
               <a:rPr lang="en-US" sz="2000" dirty="0" smtClean="0"/>
-              <a:t>.</a:t>
+              <a:t>latitude-longitude.</a:t>
             </a:r>
           </a:p>
           <a:p>
@@ -10238,31 +10092,23 @@
             </a:pPr>
             <a:r>
               <a:rPr lang="en-US" sz="2000" dirty="0" smtClean="0"/>
-              <a:t>With </a:t>
-            </a:r>
-            <a:r>
-              <a:rPr lang="en-US" sz="2000" dirty="0"/>
-              <a:t>geographic coordinates the features can be mapped and entered into Geographic Information </a:t>
-            </a:r>
-            <a:r>
-              <a:rPr lang="en-US" sz="2000" dirty="0" err="1"/>
+              <a:t>With geographic coordinates the features can be mapped and entered into Geographic Information </a:t>
+            </a:r>
+            <a:r>
+              <a:rPr lang="en-US" sz="2000" dirty="0" err="1" smtClean="0"/>
               <a:t>Systems.A</a:t>
             </a:r>
             <a:r>
-              <a:rPr lang="en-US" sz="2000" dirty="0"/>
+              <a:rPr lang="en-US" sz="2000" dirty="0" smtClean="0"/>
               <a:t> </a:t>
             </a:r>
             <a:r>
-              <a:rPr lang="en-US" sz="2000" dirty="0" err="1"/>
+              <a:rPr lang="en-US" sz="2000" dirty="0" err="1" smtClean="0"/>
               <a:t>geoparser</a:t>
             </a:r>
             <a:r>
-              <a:rPr lang="en-US" sz="2000" dirty="0"/>
-              <a:t> is a piece of software or a (web) service that helps in this process</a:t>
-            </a:r>
-            <a:r>
               <a:rPr lang="en-US" sz="2000" dirty="0" smtClean="0"/>
-              <a:t>.</a:t>
+              <a:t> is a piece of software or a (web) service that helps in this process.</a:t>
             </a:r>
             <a:endParaRPr lang="en-US" sz="2000" dirty="0"/>
           </a:p>
@@ -10605,7 +10451,7 @@
           <p:cNvPr id="6" name="Content Placeholder 5">
             <a:extLst>
               <a:ext uri="{FF2B5EF4-FFF2-40B4-BE49-F238E27FC236}">
-                <a16:creationId xmlns:a16="http://schemas.microsoft.com/office/drawing/2014/main" xmlns="" id="{13662F15-D38A-4FD0-9214-2CC7D2CAB3DC}"/>
+                <a16:creationId xmlns="" xmlns:a16="http://schemas.microsoft.com/office/drawing/2014/main" id="{13662F15-D38A-4FD0-9214-2CC7D2CAB3DC}"/>
               </a:ext>
             </a:extLst>
           </p:cNvPr>
@@ -10970,24 +10816,6 @@
               </a:rPr>
               <a:t>k-means</a:t>
             </a:r>
-            <a:r>
-              <a:rPr lang="zh-CN" altLang="en-US" sz="2800" b="1" dirty="0" smtClean="0">
-                <a:solidFill>
-                  <a:srgbClr val="018752"/>
-                </a:solidFill>
-                <a:latin typeface="Arial"/>
-              </a:rPr>
-              <a:t> </a:t>
-            </a:r>
-            <a:r>
-              <a:rPr lang="en-US" altLang="zh-CN" sz="2800" b="1" dirty="0" smtClean="0">
-                <a:solidFill>
-                  <a:srgbClr val="018752"/>
-                </a:solidFill>
-                <a:latin typeface="Arial"/>
-              </a:rPr>
-              <a:t>cluster</a:t>
-            </a:r>
             <a:endParaRPr lang="en-US" sz="2800" b="1" dirty="0">
               <a:solidFill>
                 <a:srgbClr val="018752"/>
@@ -11026,7 +10854,7 @@
           <p:cNvPr id="6" name="Content Placeholder 5">
             <a:extLst>
               <a:ext uri="{FF2B5EF4-FFF2-40B4-BE49-F238E27FC236}">
-                <a16:creationId xmlns:a16="http://schemas.microsoft.com/office/drawing/2014/main" xmlns="" id="{13662F15-D38A-4FD0-9214-2CC7D2CAB3DC}"/>
+                <a16:creationId xmlns="" xmlns:a16="http://schemas.microsoft.com/office/drawing/2014/main" id="{13662F15-D38A-4FD0-9214-2CC7D2CAB3DC}"/>
               </a:ext>
             </a:extLst>
           </p:cNvPr>
@@ -11399,15 +11227,6 @@
                 <a:latin typeface="Arial"/>
               </a:rPr>
               <a:t> </a:t>
-            </a:r>
-            <a:r>
-              <a:rPr lang="en-US" altLang="zh-CN" sz="2800" b="1" dirty="0" smtClean="0">
-                <a:solidFill>
-                  <a:srgbClr val="018752"/>
-                </a:solidFill>
-                <a:latin typeface="Arial"/>
-              </a:rPr>
-              <a:t>cluster</a:t>
             </a:r>
             <a:endParaRPr lang="en-US" sz="2800" b="1" dirty="0">
               <a:solidFill>
@@ -12106,7 +11925,7 @@
           <p:cNvPr id="6" name="Content Placeholder 5">
             <a:extLst>
               <a:ext uri="{FF2B5EF4-FFF2-40B4-BE49-F238E27FC236}">
-                <a16:creationId xmlns:a16="http://schemas.microsoft.com/office/drawing/2014/main" xmlns="" id="{13662F15-D38A-4FD0-9214-2CC7D2CAB3DC}"/>
+                <a16:creationId xmlns="" xmlns:a16="http://schemas.microsoft.com/office/drawing/2014/main" id="{13662F15-D38A-4FD0-9214-2CC7D2CAB3DC}"/>
               </a:ext>
             </a:extLst>
           </p:cNvPr>
@@ -12195,12 +12014,16 @@
               <a:t> </a:t>
             </a:r>
             <a:r>
-              <a:rPr lang="en-US" sz="2000" dirty="0" err="1"/>
+              <a:rPr lang="en-US" sz="2000" dirty="0" err="1" smtClean="0"/>
               <a:t>CoreNLP,Mordecai,and</a:t>
             </a:r>
             <a:r>
+              <a:rPr lang="en-US" sz="2000" dirty="0" smtClean="0"/>
+              <a:t> </a:t>
+            </a:r>
+            <a:r>
               <a:rPr lang="en-US" sz="2000" dirty="0"/>
-              <a:t> Edinburgh</a:t>
+              <a:t>Edinburgh</a:t>
             </a:r>
             <a:r>
               <a:rPr lang="en-US" sz="2000" dirty="0" smtClean="0"/>
@@ -12252,12 +12075,16 @@
               <a:t> is a RESTFUL web API that identifies place names mentioned in </a:t>
             </a:r>
             <a:r>
-              <a:rPr lang="en-US" sz="2000" dirty="0" err="1"/>
+              <a:rPr lang="en-US" sz="2000" dirty="0" err="1" smtClean="0"/>
               <a:t>text,disambiguates</a:t>
             </a:r>
             <a:r>
+              <a:rPr lang="en-US" sz="2000" dirty="0" smtClean="0"/>
+              <a:t> </a:t>
+            </a:r>
+            <a:r>
               <a:rPr lang="en-US" sz="2000" dirty="0"/>
-              <a:t> those names and returns </a:t>
+              <a:t>those names and returns </a:t>
             </a:r>
             <a:r>
               <a:rPr lang="en-US" sz="2000" dirty="0" err="1"/>
